--- a/Chrome/private/icon.pptx
+++ b/Chrome/private/icon.pptx
@@ -263,7 +263,7 @@
           <a:p>
             <a:fld id="{432527A5-50EE-4D31-9088-CC0AF8F371C1}" type="datetimeFigureOut">
               <a:rPr lang="en-GB" smtClean="0"/>
-              <a:t>01/07/2021</a:t>
+              <a:t>18/08/2021</a:t>
             </a:fld>
             <a:endParaRPr lang="en-GB"/>
           </a:p>
@@ -463,7 +463,7 @@
           <a:p>
             <a:fld id="{432527A5-50EE-4D31-9088-CC0AF8F371C1}" type="datetimeFigureOut">
               <a:rPr lang="en-GB" smtClean="0"/>
-              <a:t>01/07/2021</a:t>
+              <a:t>18/08/2021</a:t>
             </a:fld>
             <a:endParaRPr lang="en-GB"/>
           </a:p>
@@ -673,7 +673,7 @@
           <a:p>
             <a:fld id="{432527A5-50EE-4D31-9088-CC0AF8F371C1}" type="datetimeFigureOut">
               <a:rPr lang="en-GB" smtClean="0"/>
-              <a:t>01/07/2021</a:t>
+              <a:t>18/08/2021</a:t>
             </a:fld>
             <a:endParaRPr lang="en-GB"/>
           </a:p>
@@ -873,7 +873,7 @@
           <a:p>
             <a:fld id="{432527A5-50EE-4D31-9088-CC0AF8F371C1}" type="datetimeFigureOut">
               <a:rPr lang="en-GB" smtClean="0"/>
-              <a:t>01/07/2021</a:t>
+              <a:t>18/08/2021</a:t>
             </a:fld>
             <a:endParaRPr lang="en-GB"/>
           </a:p>
@@ -1149,7 +1149,7 @@
           <a:p>
             <a:fld id="{432527A5-50EE-4D31-9088-CC0AF8F371C1}" type="datetimeFigureOut">
               <a:rPr lang="en-GB" smtClean="0"/>
-              <a:t>01/07/2021</a:t>
+              <a:t>18/08/2021</a:t>
             </a:fld>
             <a:endParaRPr lang="en-GB"/>
           </a:p>
@@ -1417,7 +1417,7 @@
           <a:p>
             <a:fld id="{432527A5-50EE-4D31-9088-CC0AF8F371C1}" type="datetimeFigureOut">
               <a:rPr lang="en-GB" smtClean="0"/>
-              <a:t>01/07/2021</a:t>
+              <a:t>18/08/2021</a:t>
             </a:fld>
             <a:endParaRPr lang="en-GB"/>
           </a:p>
@@ -1832,7 +1832,7 @@
           <a:p>
             <a:fld id="{432527A5-50EE-4D31-9088-CC0AF8F371C1}" type="datetimeFigureOut">
               <a:rPr lang="en-GB" smtClean="0"/>
-              <a:t>01/07/2021</a:t>
+              <a:t>18/08/2021</a:t>
             </a:fld>
             <a:endParaRPr lang="en-GB"/>
           </a:p>
@@ -1974,7 +1974,7 @@
           <a:p>
             <a:fld id="{432527A5-50EE-4D31-9088-CC0AF8F371C1}" type="datetimeFigureOut">
               <a:rPr lang="en-GB" smtClean="0"/>
-              <a:t>01/07/2021</a:t>
+              <a:t>18/08/2021</a:t>
             </a:fld>
             <a:endParaRPr lang="en-GB"/>
           </a:p>
@@ -2087,7 +2087,7 @@
           <a:p>
             <a:fld id="{432527A5-50EE-4D31-9088-CC0AF8F371C1}" type="datetimeFigureOut">
               <a:rPr lang="en-GB" smtClean="0"/>
-              <a:t>01/07/2021</a:t>
+              <a:t>18/08/2021</a:t>
             </a:fld>
             <a:endParaRPr lang="en-GB"/>
           </a:p>
@@ -2400,7 +2400,7 @@
           <a:p>
             <a:fld id="{432527A5-50EE-4D31-9088-CC0AF8F371C1}" type="datetimeFigureOut">
               <a:rPr lang="en-GB" smtClean="0"/>
-              <a:t>01/07/2021</a:t>
+              <a:t>18/08/2021</a:t>
             </a:fld>
             <a:endParaRPr lang="en-GB"/>
           </a:p>
@@ -2693,7 +2693,7 @@
           <a:p>
             <a:fld id="{432527A5-50EE-4D31-9088-CC0AF8F371C1}" type="datetimeFigureOut">
               <a:rPr lang="en-GB" smtClean="0"/>
-              <a:t>01/07/2021</a:t>
+              <a:t>18/08/2021</a:t>
             </a:fld>
             <a:endParaRPr lang="en-GB"/>
           </a:p>
@@ -2936,7 +2936,7 @@
           <a:p>
             <a:fld id="{432527A5-50EE-4D31-9088-CC0AF8F371C1}" type="datetimeFigureOut">
               <a:rPr lang="en-GB" smtClean="0"/>
-              <a:t>01/07/2021</a:t>
+              <a:t>18/08/2021</a:t>
             </a:fld>
             <a:endParaRPr lang="en-GB"/>
           </a:p>
@@ -3434,15 +3434,15 @@
         </p:spPr>
         <p:style>
           <a:lnRef idx="2">
-            <a:schemeClr val="accent1">
+            <a:schemeClr val="accent4">
               <a:shade val="50000"/>
             </a:schemeClr>
           </a:lnRef>
           <a:fillRef idx="1">
-            <a:schemeClr val="accent1"/>
+            <a:schemeClr val="accent4"/>
           </a:fillRef>
           <a:effectRef idx="0">
-            <a:schemeClr val="accent1"/>
+            <a:schemeClr val="accent4"/>
           </a:effectRef>
           <a:fontRef idx="minor">
             <a:schemeClr val="lt1"/>
@@ -3457,53 +3457,46 @@
           </a:p>
         </p:txBody>
       </p:sp>
-      <p:pic>
-        <p:nvPicPr>
-          <p:cNvPr id="5" name="Graphic 4" descr="Paper">
-            <a:extLst>
-              <a:ext uri="{FF2B5EF4-FFF2-40B4-BE49-F238E27FC236}">
-                <a16:creationId xmlns:a16="http://schemas.microsoft.com/office/drawing/2014/main" id="{7CE27FAB-7A43-4736-8980-DC7CAED58ECB}"/>
-              </a:ext>
-            </a:extLst>
-          </p:cNvPr>
-          <p:cNvPicPr>
-            <a:picLocks noChangeAspect="1"/>
-          </p:cNvPicPr>
+      <p:sp>
+        <p:nvSpPr>
+          <p:cNvPr id="6" name="TextBox 5">
+            <a:extLst>
+              <a:ext uri="{FF2B5EF4-FFF2-40B4-BE49-F238E27FC236}">
+                <a16:creationId xmlns:a16="http://schemas.microsoft.com/office/drawing/2014/main" id="{F1C80A87-A23E-4C67-BE22-B4F87F7F98C5}"/>
+              </a:ext>
+            </a:extLst>
+          </p:cNvPr>
+          <p:cNvSpPr txBox="1"/>
           <p:nvPr/>
-        </p:nvPicPr>
-        <p:blipFill>
-          <a:blip r:embed="rId2">
-            <a:extLst>
-              <a:ext uri="{28A0092B-C50C-407E-A947-70E740481C1C}">
-                <a14:useLocalDpi xmlns:a14="http://schemas.microsoft.com/office/drawing/2010/main" val="0"/>
-              </a:ext>
-              <a:ext uri="{96DAC541-7B7A-43D3-8B79-37D633B846F1}">
-                <asvg:svgBlip xmlns:asvg="http://schemas.microsoft.com/office/drawing/2016/SVG/main" r:embed="rId3"/>
-              </a:ext>
-            </a:extLst>
-          </a:blip>
-          <a:stretch>
-            <a:fillRect/>
-          </a:stretch>
-        </p:blipFill>
+        </p:nvSpPr>
         <p:spPr>
           <a:xfrm>
-            <a:off x="8511675" y="3385643"/>
-            <a:ext cx="914400" cy="914400"/>
+            <a:off x="8520927" y="3290167"/>
+            <a:ext cx="959763" cy="1107996"/>
           </a:xfrm>
           <a:prstGeom prst="rect">
             <a:avLst/>
           </a:prstGeom>
-          <a:effectLst>
-            <a:glow rad="63500">
-              <a:schemeClr val="accent1">
-                <a:satMod val="175000"/>
-                <a:alpha val="40000"/>
-              </a:schemeClr>
-            </a:glow>
-          </a:effectLst>
+          <a:noFill/>
         </p:spPr>
-      </p:pic>
+        <p:txBody>
+          <a:bodyPr wrap="square" rtlCol="0">
+            <a:spAutoFit/>
+          </a:bodyPr>
+          <a:lstStyle/>
+          <a:p>
+            <a:r>
+              <a:rPr lang="en-GB" sz="6600" dirty="0">
+                <a:solidFill>
+                  <a:schemeClr val="bg1"/>
+                </a:solidFill>
+                <a:latin typeface="Arial Black" panose="020B0A04020102020204" pitchFamily="34" charset="0"/>
+              </a:rPr>
+              <a:t>S</a:t>
+            </a:r>
+          </a:p>
+        </p:txBody>
+      </p:sp>
       <p:sp>
         <p:nvSpPr>
           <p:cNvPr id="8" name="Arrow: Right 7">
@@ -3524,34 +3517,19 @@
           <a:prstGeom prst="rightArrow">
             <a:avLst/>
           </a:prstGeom>
-          <a:solidFill>
-            <a:schemeClr val="accent1"/>
-          </a:solidFill>
-          <a:ln w="38100">
-            <a:solidFill>
-              <a:schemeClr val="bg1"/>
-            </a:solidFill>
-          </a:ln>
-          <a:effectLst>
-            <a:glow>
-              <a:schemeClr val="accent1">
-                <a:satMod val="175000"/>
-                <a:alpha val="40000"/>
-              </a:schemeClr>
-            </a:glow>
-          </a:effectLst>
+          <a:ln/>
         </p:spPr>
         <p:style>
           <a:lnRef idx="2">
-            <a:schemeClr val="accent1">
+            <a:schemeClr val="dk1">
               <a:shade val="50000"/>
             </a:schemeClr>
           </a:lnRef>
           <a:fillRef idx="1">
-            <a:schemeClr val="accent1"/>
+            <a:schemeClr val="dk1"/>
           </a:fillRef>
           <a:effectRef idx="0">
-            <a:schemeClr val="accent1"/>
+            <a:schemeClr val="dk1"/>
           </a:effectRef>
           <a:fontRef idx="minor">
             <a:schemeClr val="lt1"/>
@@ -3581,7 +3559,7 @@
           <p:nvPr/>
         </p:nvPicPr>
         <p:blipFill>
-          <a:blip r:embed="rId4">
+          <a:blip r:embed="rId2">
             <a:clrChange>
               <a:clrFrom>
                 <a:srgbClr val="FF0000"/>
@@ -3627,7 +3605,7 @@
           <p:nvPr/>
         </p:nvPicPr>
         <p:blipFill>
-          <a:blip r:embed="rId5">
+          <a:blip r:embed="rId3">
             <a:clrChange>
               <a:clrFrom>
                 <a:srgbClr val="E80918"/>
@@ -3673,7 +3651,7 @@
           <p:nvPr/>
         </p:nvPicPr>
         <p:blipFill>
-          <a:blip r:embed="rId6">
+          <a:blip r:embed="rId4">
             <a:clrChange>
               <a:clrFrom>
                 <a:srgbClr val="92D050"/>
@@ -3719,7 +3697,7 @@
           <p:nvPr/>
         </p:nvPicPr>
         <p:blipFill>
-          <a:blip r:embed="rId7">
+          <a:blip r:embed="rId5">
             <a:clrChange>
               <a:clrFrom>
                 <a:srgbClr val="92D050"/>
@@ -3742,8 +3720,53 @@
         </p:blipFill>
         <p:spPr>
           <a:xfrm>
-            <a:off x="5370513" y="2703513"/>
+            <a:off x="5053212" y="2548531"/>
             <a:ext cx="1450974" cy="1450974"/>
+          </a:xfrm>
+          <a:prstGeom prst="rect">
+            <a:avLst/>
+          </a:prstGeom>
+        </p:spPr>
+      </p:pic>
+      <p:pic>
+        <p:nvPicPr>
+          <p:cNvPr id="17" name="Picture 16">
+            <a:extLst>
+              <a:ext uri="{FF2B5EF4-FFF2-40B4-BE49-F238E27FC236}">
+                <a16:creationId xmlns:a16="http://schemas.microsoft.com/office/drawing/2014/main" id="{9C02918D-D2EF-4DCF-B64F-C75AA26CD9CA}"/>
+              </a:ext>
+            </a:extLst>
+          </p:cNvPr>
+          <p:cNvPicPr>
+            <a:picLocks noChangeAspect="1"/>
+          </p:cNvPicPr>
+          <p:nvPr/>
+        </p:nvPicPr>
+        <p:blipFill rotWithShape="1">
+          <a:blip r:embed="rId6">
+            <a:clrChange>
+              <a:clrFrom>
+                <a:srgbClr val="92D050"/>
+              </a:clrFrom>
+              <a:clrTo>
+                <a:srgbClr val="92D050">
+                  <a:alpha val="0"/>
+                </a:srgbClr>
+              </a:clrTo>
+            </a:clrChange>
+            <a:extLst>
+              <a:ext uri="{28A0092B-C50C-407E-A947-70E740481C1C}">
+                <a14:useLocalDpi xmlns:a14="http://schemas.microsoft.com/office/drawing/2010/main" val="0"/>
+              </a:ext>
+            </a:extLst>
+          </a:blip>
+          <a:srcRect l="13139" t="6182" b="11748"/>
+          <a:stretch/>
+        </p:blipFill>
+        <p:spPr>
+          <a:xfrm>
+            <a:off x="5053212" y="1103039"/>
+            <a:ext cx="1450974" cy="1450975"/>
           </a:xfrm>
           <a:prstGeom prst="rect">
             <a:avLst/>
